--- a/APPLE DEVELOPERS GROUP.pptx
+++ b/APPLE DEVELOPERS GROUP.pptx
@@ -10265,8 +10265,8 @@
         </p:blipFill>
         <p:spPr>
           <a:xfrm>
-            <a:off x="6814075" y="302863"/>
-            <a:ext cx="691359" cy="575050"/>
+            <a:off x="6814075" y="267576"/>
+            <a:ext cx="729725" cy="671350"/>
           </a:xfrm>
           <a:prstGeom prst="rect">
             <a:avLst/>
@@ -10873,7 +10873,7 @@
             <a:tbl>
               <a:tblPr>
                 <a:noFill/>
-                <a:tableStyleId>{9AAFA838-652E-490A-8EBF-29EC7425C94E}</a:tableStyleId>
+                <a:tableStyleId>{6A3BFBC8-1761-4317-9706-F6CA2D97C1C5}</a:tableStyleId>
               </a:tblPr>
               <a:tblGrid>
                 <a:gridCol w="3019625"/>
@@ -12294,7 +12294,7 @@
                 <a:cs typeface="Montserrat"/>
                 <a:sym typeface="Montserrat"/>
               </a:rPr>
-              <a:t>Chairperson,</a:t>
+              <a:t>Executive Head,</a:t>
             </a:r>
             <a:endParaRPr sz="1700">
               <a:solidFill>
@@ -12824,7 +12824,7 @@
             <a:tbl>
               <a:tblPr>
                 <a:noFill/>
-                <a:tableStyleId>{9AAFA838-652E-490A-8EBF-29EC7425C94E}</a:tableStyleId>
+                <a:tableStyleId>{6A3BFBC8-1761-4317-9706-F6CA2D97C1C5}</a:tableStyleId>
               </a:tblPr>
               <a:tblGrid>
                 <a:gridCol w="1206500"/>
@@ -15940,7 +15940,7 @@
         <p:spPr>
           <a:xfrm>
             <a:off x="145550" y="4155688"/>
-            <a:ext cx="815730" cy="750475"/>
+            <a:ext cx="815730" cy="750471"/>
           </a:xfrm>
           <a:prstGeom prst="rect">
             <a:avLst/>
@@ -16058,7 +16058,7 @@
             <a:tbl>
               <a:tblPr>
                 <a:noFill/>
-                <a:tableStyleId>{9AAFA838-652E-490A-8EBF-29EC7425C94E}</a:tableStyleId>
+                <a:tableStyleId>{6A3BFBC8-1761-4317-9706-F6CA2D97C1C5}</a:tableStyleId>
               </a:tblPr>
               <a:tblGrid>
                 <a:gridCol w="1206500"/>
@@ -17473,7 +17473,7 @@
             <a:tbl>
               <a:tblPr>
                 <a:noFill/>
-                <a:tableStyleId>{9AAFA838-652E-490A-8EBF-29EC7425C94E}</a:tableStyleId>
+                <a:tableStyleId>{6A3BFBC8-1761-4317-9706-F6CA2D97C1C5}</a:tableStyleId>
               </a:tblPr>
               <a:tblGrid>
                 <a:gridCol w="1206500"/>
@@ -18730,7 +18730,7 @@
             <a:tbl>
               <a:tblPr>
                 <a:noFill/>
-                <a:tableStyleId>{9AAFA838-652E-490A-8EBF-29EC7425C94E}</a:tableStyleId>
+                <a:tableStyleId>{6A3BFBC8-1761-4317-9706-F6CA2D97C1C5}</a:tableStyleId>
               </a:tblPr>
               <a:tblGrid>
                 <a:gridCol w="1206500"/>
@@ -19552,7 +19552,7 @@
             <a:tbl>
               <a:tblPr>
                 <a:noFill/>
-                <a:tableStyleId>{9AAFA838-652E-490A-8EBF-29EC7425C94E}</a:tableStyleId>
+                <a:tableStyleId>{6A3BFBC8-1761-4317-9706-F6CA2D97C1C5}</a:tableStyleId>
               </a:tblPr>
               <a:tblGrid>
                 <a:gridCol w="2750750"/>
@@ -20845,7 +20845,7 @@
             <a:tbl>
               <a:tblPr>
                 <a:noFill/>
-                <a:tableStyleId>{9AAFA838-652E-490A-8EBF-29EC7425C94E}</a:tableStyleId>
+                <a:tableStyleId>{6A3BFBC8-1761-4317-9706-F6CA2D97C1C5}</a:tableStyleId>
               </a:tblPr>
               <a:tblGrid>
                 <a:gridCol w="1206500"/>
@@ -22244,7 +22244,7 @@
             <a:tbl>
               <a:tblPr>
                 <a:noFill/>
-                <a:tableStyleId>{9AAFA838-652E-490A-8EBF-29EC7425C94E}</a:tableStyleId>
+                <a:tableStyleId>{6A3BFBC8-1761-4317-9706-F6CA2D97C1C5}</a:tableStyleId>
               </a:tblPr>
               <a:tblGrid>
                 <a:gridCol w="1765975"/>
